--- a/welcome.pptx
+++ b/welcome.pptx
@@ -7,8 +7,9 @@
   <p:sldIdLst>
     <p:sldId id="256" r:id="rId2"/>
     <p:sldId id="261" r:id="rId3"/>
-    <p:sldId id="257" r:id="rId4"/>
-    <p:sldId id="258" r:id="rId5"/>
+    <p:sldId id="262" r:id="rId4"/>
+    <p:sldId id="257" r:id="rId5"/>
+    <p:sldId id="258" r:id="rId6"/>
   </p:sldIdLst>
   <p:sldSz cx="12192000" cy="6858000"/>
   <p:notesSz cx="6858000" cy="9144000"/>
@@ -3024,6 +3025,13 @@
   <p:clrMapOvr>
     <a:masterClrMapping/>
   </p:clrMapOvr>
+  <p:timing>
+    <p:tnLst>
+      <p:par>
+        <p:cTn id="1" dur="indefinite" restart="never" nodeType="tmRoot"/>
+      </p:par>
+    </p:tnLst>
+  </p:timing>
 </p:sld>
 </file>
 
@@ -3104,6 +3112,13 @@
   <p:clrMapOvr>
     <a:masterClrMapping/>
   </p:clrMapOvr>
+  <p:timing>
+    <p:tnLst>
+      <p:par>
+        <p:cTn id="1" dur="indefinite" restart="never" nodeType="tmRoot"/>
+      </p:par>
+    </p:tnLst>
+  </p:timing>
 </p:sld>
 </file>
 
@@ -3141,7 +3156,7 @@
           <a:p>
             <a:r>
               <a:rPr lang="en-US" dirty="0" smtClean="0"/>
-              <a:t>Code of Conduct</a:t>
+              <a:t>Materials! Recording!</a:t>
             </a:r>
             <a:endParaRPr lang="en-US" dirty="0"/>
           </a:p>
@@ -3162,62 +3177,18 @@
           <a:bodyPr/>
           <a:lstStyle/>
           <a:p>
-            <a:pPr marL="0" indent="0" algn="ctr">
-              <a:buNone/>
-            </a:pPr>
-            <a:r>
-              <a:rPr lang="en-US" dirty="0" smtClean="0">
-                <a:hlinkClick r:id="rId2"/>
-              </a:rPr>
-              <a:t>http://software-carpentry.org/conduct/</a:t>
-            </a:r>
-            <a:endParaRPr lang="en-US" dirty="0" smtClean="0"/>
-          </a:p>
-          <a:p>
-            <a:pPr marL="0" indent="0">
-              <a:buNone/>
-            </a:pPr>
-            <a:endParaRPr lang="en-US" dirty="0" smtClean="0"/>
-          </a:p>
-          <a:p>
-            <a:pPr marL="0" indent="0" algn="ctr">
-              <a:buNone/>
-            </a:pPr>
-            <a:r>
-              <a:rPr lang="en-US" dirty="0" err="1"/>
-              <a:t>t</a:t>
-            </a:r>
-            <a:r>
-              <a:rPr lang="en-US" dirty="0" err="1" smtClean="0"/>
-              <a:t>l;dr</a:t>
-            </a:r>
             <a:r>
               <a:rPr lang="en-US" dirty="0" smtClean="0"/>
-              <a:t>? Don’t be a jerk.</a:t>
-            </a:r>
-          </a:p>
-          <a:p>
-            <a:pPr marL="0" indent="0" algn="ctr">
-              <a:buNone/>
-            </a:pPr>
+              <a:t>Materials will be available indefinitely.</a:t>
+            </a:r>
+          </a:p>
+          <a:p>
             <a:endParaRPr lang="en-US" dirty="0"/>
           </a:p>
           <a:p>
-            <a:pPr marL="0" indent="0" algn="ctr">
-              <a:buNone/>
-            </a:pPr>
             <a:r>
               <a:rPr lang="en-US" dirty="0" smtClean="0"/>
-              <a:t>No one knows everything &amp;, even when you do,</a:t>
-            </a:r>
-          </a:p>
-          <a:p>
-            <a:pPr marL="0" indent="0" algn="ctr">
-              <a:buNone/>
-            </a:pPr>
-            <a:r>
-              <a:rPr lang="en-US" dirty="0" smtClean="0"/>
-              <a:t>being friendly and helpful is a great approach anyway:)</a:t>
+              <a:t>Recording is happening &amp; will be made available afterwards. Please talk to Tessa or Jessica if you don’t want your voice to be recorded.</a:t>
             </a:r>
             <a:endParaRPr lang="en-US" dirty="0"/>
           </a:p>
@@ -3226,13 +3197,20 @@
     </p:spTree>
     <p:extLst>
       <p:ext uri="{BB962C8B-B14F-4D97-AF65-F5344CB8AC3E}">
-        <p14:creationId xmlns:p14="http://schemas.microsoft.com/office/powerpoint/2010/main" val="1016585560"/>
+        <p14:creationId xmlns:p14="http://schemas.microsoft.com/office/powerpoint/2010/main" val="1176271902"/>
       </p:ext>
     </p:extLst>
   </p:cSld>
   <p:clrMapOvr>
     <a:masterClrMapping/>
   </p:clrMapOvr>
+  <p:timing>
+    <p:tnLst>
+      <p:par>
+        <p:cTn id="1" dur="indefinite" restart="never" nodeType="tmRoot"/>
+      </p:par>
+    </p:tnLst>
+  </p:timing>
 </p:sld>
 </file>
 
@@ -3269,6 +3247,142 @@
           <a:lstStyle/>
           <a:p>
             <a:r>
+              <a:rPr lang="en-US" dirty="0" smtClean="0"/>
+              <a:t>Code of Conduct</a:t>
+            </a:r>
+            <a:endParaRPr lang="en-US" dirty="0"/>
+          </a:p>
+        </p:txBody>
+      </p:sp>
+      <p:sp>
+        <p:nvSpPr>
+          <p:cNvPr id="3" name="Content Placeholder 2"/>
+          <p:cNvSpPr>
+            <a:spLocks noGrp="1"/>
+          </p:cNvSpPr>
+          <p:nvPr>
+            <p:ph idx="1"/>
+          </p:nvPr>
+        </p:nvSpPr>
+        <p:spPr/>
+        <p:txBody>
+          <a:bodyPr/>
+          <a:lstStyle/>
+          <a:p>
+            <a:pPr marL="0" indent="0" algn="ctr">
+              <a:buNone/>
+            </a:pPr>
+            <a:r>
+              <a:rPr lang="en-US" dirty="0" smtClean="0">
+                <a:hlinkClick r:id="rId2"/>
+              </a:rPr>
+              <a:t>http://software-carpentry.org/conduct/</a:t>
+            </a:r>
+            <a:endParaRPr lang="en-US" dirty="0" smtClean="0"/>
+          </a:p>
+          <a:p>
+            <a:pPr marL="0" indent="0">
+              <a:buNone/>
+            </a:pPr>
+            <a:endParaRPr lang="en-US" dirty="0" smtClean="0"/>
+          </a:p>
+          <a:p>
+            <a:pPr marL="0" indent="0" algn="ctr">
+              <a:buNone/>
+            </a:pPr>
+            <a:r>
+              <a:rPr lang="en-US" dirty="0" err="1"/>
+              <a:t>t</a:t>
+            </a:r>
+            <a:r>
+              <a:rPr lang="en-US" dirty="0" err="1" smtClean="0"/>
+              <a:t>l;dr</a:t>
+            </a:r>
+            <a:r>
+              <a:rPr lang="en-US" dirty="0" smtClean="0"/>
+              <a:t>? Don’t be a jerk.</a:t>
+            </a:r>
+          </a:p>
+          <a:p>
+            <a:pPr marL="0" indent="0" algn="ctr">
+              <a:buNone/>
+            </a:pPr>
+            <a:endParaRPr lang="en-US" dirty="0"/>
+          </a:p>
+          <a:p>
+            <a:pPr marL="0" indent="0" algn="ctr">
+              <a:buNone/>
+            </a:pPr>
+            <a:r>
+              <a:rPr lang="en-US" dirty="0" smtClean="0"/>
+              <a:t>No one knows everything &amp;, even when you do,</a:t>
+            </a:r>
+          </a:p>
+          <a:p>
+            <a:pPr marL="0" indent="0" algn="ctr">
+              <a:buNone/>
+            </a:pPr>
+            <a:r>
+              <a:rPr lang="en-US" dirty="0" smtClean="0"/>
+              <a:t>being friendly and helpful is a great approach anyway:)</a:t>
+            </a:r>
+            <a:endParaRPr lang="en-US" dirty="0"/>
+          </a:p>
+        </p:txBody>
+      </p:sp>
+    </p:spTree>
+    <p:extLst>
+      <p:ext uri="{BB962C8B-B14F-4D97-AF65-F5344CB8AC3E}">
+        <p14:creationId xmlns:p14="http://schemas.microsoft.com/office/powerpoint/2010/main" val="1016585560"/>
+      </p:ext>
+    </p:extLst>
+  </p:cSld>
+  <p:clrMapOvr>
+    <a:masterClrMapping/>
+  </p:clrMapOvr>
+  <p:timing>
+    <p:tnLst>
+      <p:par>
+        <p:cTn id="1" dur="indefinite" restart="never" nodeType="tmRoot"/>
+      </p:par>
+    </p:tnLst>
+  </p:timing>
+</p:sld>
+</file>
+
+<file path=ppt/slides/slide5.xml><?xml version="1.0" encoding="utf-8"?>
+<p:sld xmlns:a="http://schemas.openxmlformats.org/drawingml/2006/main" xmlns:r="http://schemas.openxmlformats.org/officeDocument/2006/relationships" xmlns:p="http://schemas.openxmlformats.org/presentationml/2006/main">
+  <p:cSld>
+    <p:spTree>
+      <p:nvGrpSpPr>
+        <p:cNvPr id="1" name=""/>
+        <p:cNvGrpSpPr/>
+        <p:nvPr/>
+      </p:nvGrpSpPr>
+      <p:grpSpPr>
+        <a:xfrm>
+          <a:off x="0" y="0"/>
+          <a:ext cx="0" cy="0"/>
+          <a:chOff x="0" y="0"/>
+          <a:chExt cx="0" cy="0"/>
+        </a:xfrm>
+      </p:grpSpPr>
+      <p:sp>
+        <p:nvSpPr>
+          <p:cNvPr id="2" name="Title 1"/>
+          <p:cNvSpPr>
+            <a:spLocks noGrp="1"/>
+          </p:cNvSpPr>
+          <p:nvPr>
+            <p:ph type="title"/>
+          </p:nvPr>
+        </p:nvSpPr>
+        <p:spPr/>
+        <p:txBody>
+          <a:bodyPr/>
+          <a:lstStyle/>
+          <a:p>
+            <a:r>
               <a:rPr lang="en-US" dirty="0" err="1" smtClean="0"/>
               <a:t>Stickies</a:t>
             </a:r>
@@ -3340,6 +3454,13 @@
   <p:clrMapOvr>
     <a:masterClrMapping/>
   </p:clrMapOvr>
+  <p:timing>
+    <p:tnLst>
+      <p:par>
+        <p:cTn id="1" dur="indefinite" restart="never" nodeType="tmRoot"/>
+      </p:par>
+    </p:tnLst>
+  </p:timing>
 </p:sld>
 </file>
 

--- a/welcome.pptx
+++ b/welcome.pptx
@@ -7,9 +7,9 @@
   <p:sldIdLst>
     <p:sldId id="256" r:id="rId2"/>
     <p:sldId id="261" r:id="rId3"/>
-    <p:sldId id="262" r:id="rId4"/>
-    <p:sldId id="257" r:id="rId5"/>
-    <p:sldId id="258" r:id="rId6"/>
+    <p:sldId id="257" r:id="rId4"/>
+    <p:sldId id="258" r:id="rId5"/>
+    <p:sldId id="262" r:id="rId6"/>
   </p:sldIdLst>
   <p:sldSz cx="12192000" cy="6858000"/>
   <p:notesSz cx="6858000" cy="9144000"/>
@@ -247,7 +247,7 @@
           <a:p>
             <a:fld id="{2499A86E-919C-1043-8454-C5644D8633CA}" type="datetimeFigureOut">
               <a:rPr lang="en-US" smtClean="0"/>
-              <a:t>10/12/16</a:t>
+              <a:t>4/22/17</a:t>
             </a:fld>
             <a:endParaRPr lang="en-US"/>
           </a:p>
@@ -417,7 +417,7 @@
           <a:p>
             <a:fld id="{2499A86E-919C-1043-8454-C5644D8633CA}" type="datetimeFigureOut">
               <a:rPr lang="en-US" smtClean="0"/>
-              <a:t>10/12/16</a:t>
+              <a:t>4/22/17</a:t>
             </a:fld>
             <a:endParaRPr lang="en-US"/>
           </a:p>
@@ -597,7 +597,7 @@
           <a:p>
             <a:fld id="{2499A86E-919C-1043-8454-C5644D8633CA}" type="datetimeFigureOut">
               <a:rPr lang="en-US" smtClean="0"/>
-              <a:t>10/12/16</a:t>
+              <a:t>4/22/17</a:t>
             </a:fld>
             <a:endParaRPr lang="en-US"/>
           </a:p>
@@ -767,7 +767,7 @@
           <a:p>
             <a:fld id="{2499A86E-919C-1043-8454-C5644D8633CA}" type="datetimeFigureOut">
               <a:rPr lang="en-US" smtClean="0"/>
-              <a:t>10/12/16</a:t>
+              <a:t>4/22/17</a:t>
             </a:fld>
             <a:endParaRPr lang="en-US"/>
           </a:p>
@@ -1013,7 +1013,7 @@
           <a:p>
             <a:fld id="{2499A86E-919C-1043-8454-C5644D8633CA}" type="datetimeFigureOut">
               <a:rPr lang="en-US" smtClean="0"/>
-              <a:t>10/12/16</a:t>
+              <a:t>4/22/17</a:t>
             </a:fld>
             <a:endParaRPr lang="en-US"/>
           </a:p>
@@ -1245,7 +1245,7 @@
           <a:p>
             <a:fld id="{2499A86E-919C-1043-8454-C5644D8633CA}" type="datetimeFigureOut">
               <a:rPr lang="en-US" smtClean="0"/>
-              <a:t>10/12/16</a:t>
+              <a:t>4/22/17</a:t>
             </a:fld>
             <a:endParaRPr lang="en-US"/>
           </a:p>
@@ -1612,7 +1612,7 @@
           <a:p>
             <a:fld id="{2499A86E-919C-1043-8454-C5644D8633CA}" type="datetimeFigureOut">
               <a:rPr lang="en-US" smtClean="0"/>
-              <a:t>10/12/16</a:t>
+              <a:t>4/22/17</a:t>
             </a:fld>
             <a:endParaRPr lang="en-US"/>
           </a:p>
@@ -1730,7 +1730,7 @@
           <a:p>
             <a:fld id="{2499A86E-919C-1043-8454-C5644D8633CA}" type="datetimeFigureOut">
               <a:rPr lang="en-US" smtClean="0"/>
-              <a:t>10/12/16</a:t>
+              <a:t>4/22/17</a:t>
             </a:fld>
             <a:endParaRPr lang="en-US"/>
           </a:p>
@@ -1825,7 +1825,7 @@
           <a:p>
             <a:fld id="{2499A86E-919C-1043-8454-C5644D8633CA}" type="datetimeFigureOut">
               <a:rPr lang="en-US" smtClean="0"/>
-              <a:t>10/12/16</a:t>
+              <a:t>4/22/17</a:t>
             </a:fld>
             <a:endParaRPr lang="en-US"/>
           </a:p>
@@ -2102,7 +2102,7 @@
           <a:p>
             <a:fld id="{2499A86E-919C-1043-8454-C5644D8633CA}" type="datetimeFigureOut">
               <a:rPr lang="en-US" smtClean="0"/>
-              <a:t>10/12/16</a:t>
+              <a:t>4/22/17</a:t>
             </a:fld>
             <a:endParaRPr lang="en-US"/>
           </a:p>
@@ -2355,7 +2355,7 @@
           <a:p>
             <a:fld id="{2499A86E-919C-1043-8454-C5644D8633CA}" type="datetimeFigureOut">
               <a:rPr lang="en-US" smtClean="0"/>
-              <a:t>10/12/16</a:t>
+              <a:t>4/22/17</a:t>
             </a:fld>
             <a:endParaRPr lang="en-US"/>
           </a:p>
@@ -2568,7 +2568,7 @@
           <a:p>
             <a:fld id="{2499A86E-919C-1043-8454-C5644D8633CA}" type="datetimeFigureOut">
               <a:rPr lang="en-US" smtClean="0"/>
-              <a:t>10/12/16</a:t>
+              <a:t>4/22/17</a:t>
             </a:fld>
             <a:endParaRPr lang="en-US"/>
           </a:p>
@@ -3069,15 +3069,7 @@
           <a:p>
             <a:r>
               <a:rPr lang="en-US" dirty="0" smtClean="0"/>
-              <a:t>Who </a:t>
-            </a:r>
-            <a:r>
-              <a:rPr lang="en-US" dirty="0" smtClean="0"/>
-              <a:t>are we </a:t>
-            </a:r>
-            <a:r>
-              <a:rPr lang="en-US" dirty="0" smtClean="0"/>
-              <a:t>and what is this?</a:t>
+              <a:t>Who are we and what is this?</a:t>
             </a:r>
             <a:endParaRPr lang="en-US" dirty="0"/>
           </a:p>
@@ -3098,7 +3090,7 @@
           <a:bodyPr/>
           <a:lstStyle/>
           <a:p>
-            <a:endParaRPr lang="en-US"/>
+            <a:endParaRPr lang="en-US" dirty="0"/>
           </a:p>
         </p:txBody>
       </p:sp>
@@ -3156,7 +3148,7 @@
           <a:p>
             <a:r>
               <a:rPr lang="en-US" dirty="0" smtClean="0"/>
-              <a:t>Materials! Recording!</a:t>
+              <a:t>Code of Conduct</a:t>
             </a:r>
             <a:endParaRPr lang="en-US" dirty="0"/>
           </a:p>
@@ -3177,18 +3169,62 @@
           <a:bodyPr/>
           <a:lstStyle/>
           <a:p>
+            <a:pPr marL="0" indent="0" algn="ctr">
+              <a:buNone/>
+            </a:pPr>
+            <a:r>
+              <a:rPr lang="en-US" dirty="0" smtClean="0">
+                <a:hlinkClick r:id="rId2"/>
+              </a:rPr>
+              <a:t>http://software-carpentry.org/conduct/</a:t>
+            </a:r>
+            <a:endParaRPr lang="en-US" dirty="0" smtClean="0"/>
+          </a:p>
+          <a:p>
+            <a:pPr marL="0" indent="0">
+              <a:buNone/>
+            </a:pPr>
+            <a:endParaRPr lang="en-US" dirty="0" smtClean="0"/>
+          </a:p>
+          <a:p>
+            <a:pPr marL="0" indent="0" algn="ctr">
+              <a:buNone/>
+            </a:pPr>
+            <a:r>
+              <a:rPr lang="en-US" dirty="0" err="1"/>
+              <a:t>t</a:t>
+            </a:r>
+            <a:r>
+              <a:rPr lang="en-US" dirty="0" err="1" smtClean="0"/>
+              <a:t>l;dr</a:t>
+            </a:r>
             <a:r>
               <a:rPr lang="en-US" dirty="0" smtClean="0"/>
-              <a:t>Materials will be available indefinitely.</a:t>
-            </a:r>
-          </a:p>
-          <a:p>
+              <a:t>? Don’t be a jerk.</a:t>
+            </a:r>
+          </a:p>
+          <a:p>
+            <a:pPr marL="0" indent="0" algn="ctr">
+              <a:buNone/>
+            </a:pPr>
             <a:endParaRPr lang="en-US" dirty="0"/>
           </a:p>
           <a:p>
+            <a:pPr marL="0" indent="0" algn="ctr">
+              <a:buNone/>
+            </a:pPr>
             <a:r>
               <a:rPr lang="en-US" dirty="0" smtClean="0"/>
-              <a:t>Recording is happening &amp; will be made available afterwards. Please talk to Tessa or Jessica if you don’t want your voice to be recorded.</a:t>
+              <a:t>No one knows everything &amp;, even when you do,</a:t>
+            </a:r>
+          </a:p>
+          <a:p>
+            <a:pPr marL="0" indent="0" algn="ctr">
+              <a:buNone/>
+            </a:pPr>
+            <a:r>
+              <a:rPr lang="en-US" dirty="0" smtClean="0"/>
+              <a:t>being friendly and helpful is a great approach anyway:)</a:t>
             </a:r>
             <a:endParaRPr lang="en-US" dirty="0"/>
           </a:p>
@@ -3197,7 +3233,7 @@
     </p:spTree>
     <p:extLst>
       <p:ext uri="{BB962C8B-B14F-4D97-AF65-F5344CB8AC3E}">
-        <p14:creationId xmlns:p14="http://schemas.microsoft.com/office/powerpoint/2010/main" val="1176271902"/>
+        <p14:creationId xmlns:p14="http://schemas.microsoft.com/office/powerpoint/2010/main" val="1016585560"/>
       </p:ext>
     </p:extLst>
   </p:cSld>
@@ -3247,8 +3283,8 @@
           <a:lstStyle/>
           <a:p>
             <a:r>
-              <a:rPr lang="en-US" dirty="0" smtClean="0"/>
-              <a:t>Code of Conduct</a:t>
+              <a:rPr lang="en-US" dirty="0" err="1" smtClean="0"/>
+              <a:t>Stickies</a:t>
             </a:r>
             <a:endParaRPr lang="en-US" dirty="0"/>
           </a:p>
@@ -3270,18 +3306,6 @@
           <a:lstStyle/>
           <a:p>
             <a:pPr marL="0" indent="0" algn="ctr">
-              <a:buNone/>
-            </a:pPr>
-            <a:r>
-              <a:rPr lang="en-US" dirty="0" smtClean="0">
-                <a:hlinkClick r:id="rId2"/>
-              </a:rPr>
-              <a:t>http://software-carpentry.org/conduct/</a:t>
-            </a:r>
-            <a:endParaRPr lang="en-US" dirty="0" smtClean="0"/>
-          </a:p>
-          <a:p>
-            <a:pPr marL="0" indent="0">
               <a:buNone/>
             </a:pPr>
             <a:endParaRPr lang="en-US" dirty="0" smtClean="0"/>
@@ -3291,23 +3315,18 @@
               <a:buNone/>
             </a:pPr>
             <a:r>
-              <a:rPr lang="en-US" dirty="0" err="1"/>
-              <a:t>t</a:t>
-            </a:r>
-            <a:r>
-              <a:rPr lang="en-US" dirty="0" err="1" smtClean="0"/>
-              <a:t>l;dr</a:t>
-            </a:r>
-            <a:r>
               <a:rPr lang="en-US" dirty="0" smtClean="0"/>
-              <a:t>? Don’t be a jerk.</a:t>
+              <a:t>Yellow sticky: done!</a:t>
             </a:r>
           </a:p>
           <a:p>
             <a:pPr marL="0" indent="0" algn="ctr">
               <a:buNone/>
             </a:pPr>
-            <a:endParaRPr lang="en-US" dirty="0"/>
+            <a:r>
+              <a:rPr lang="en-US" dirty="0" smtClean="0"/>
+              <a:t>Red sticky: need help!</a:t>
+            </a:r>
           </a:p>
           <a:p>
             <a:pPr marL="0" indent="0" algn="ctr">
@@ -3315,16 +3334,11 @@
             </a:pPr>
             <a:r>
               <a:rPr lang="en-US" dirty="0" smtClean="0"/>
-              <a:t>No one knows everything &amp;, even when you do,</a:t>
-            </a:r>
-          </a:p>
-          <a:p>
-            <a:pPr marL="0" indent="0" algn="ctr">
-              <a:buNone/>
-            </a:pPr>
-            <a:r>
-              <a:rPr lang="en-US" dirty="0" smtClean="0"/>
-              <a:t>being friendly and helpful is a great approach anyway:)</a:t>
+              <a:t>No sticky: work in progress</a:t>
+            </a:r>
+            <a:r>
+              <a:rPr lang="is-IS" dirty="0" smtClean="0"/>
+              <a:t>…</a:t>
             </a:r>
             <a:endParaRPr lang="en-US" dirty="0"/>
           </a:p>
@@ -3333,7 +3347,7 @@
     </p:spTree>
     <p:extLst>
       <p:ext uri="{BB962C8B-B14F-4D97-AF65-F5344CB8AC3E}">
-        <p14:creationId xmlns:p14="http://schemas.microsoft.com/office/powerpoint/2010/main" val="1016585560"/>
+        <p14:creationId xmlns:p14="http://schemas.microsoft.com/office/powerpoint/2010/main" val="1542393483"/>
       </p:ext>
     </p:extLst>
   </p:cSld>
@@ -3383,8 +3397,8 @@
           <a:lstStyle/>
           <a:p>
             <a:r>
-              <a:rPr lang="en-US" dirty="0" err="1" smtClean="0"/>
-              <a:t>Stickies</a:t>
+              <a:rPr lang="en-US" dirty="0" smtClean="0"/>
+              <a:t>XSEDE!</a:t>
             </a:r>
             <a:endParaRPr lang="en-US" dirty="0"/>
           </a:p>
@@ -3402,43 +3416,70 @@
         </p:nvSpPr>
         <p:spPr/>
         <p:txBody>
-          <a:bodyPr/>
-          <a:lstStyle/>
+          <a:bodyPr>
+            <a:normAutofit fontScale="85000" lnSpcReduction="10000"/>
+          </a:bodyPr>
+          <a:lstStyle/>
+          <a:p>
+            <a:r>
+              <a:rPr lang="en-US" dirty="0" smtClean="0"/>
+              <a:t>We will be using computers on the XSEDE national cyberinfrastructure, funded by NSF!</a:t>
+            </a:r>
+          </a:p>
+          <a:p>
+            <a:endParaRPr lang="en-US" dirty="0"/>
+          </a:p>
+          <a:p>
+            <a:r>
+              <a:rPr lang="en-US" dirty="0" smtClean="0"/>
+              <a:t>Jetstream is </a:t>
+            </a:r>
+            <a:r>
+              <a:rPr lang="en-US" i="1" dirty="0" smtClean="0"/>
+              <a:t>one</a:t>
+            </a:r>
+            <a:r>
+              <a:rPr lang="en-US" dirty="0" smtClean="0"/>
+              <a:t> of the XSEDE “products”.</a:t>
+            </a:r>
+          </a:p>
+          <a:p>
+            <a:endParaRPr lang="en-US" dirty="0"/>
+          </a:p>
+          <a:p>
+            <a:r>
+              <a:rPr lang="en-US" dirty="0" smtClean="0"/>
+              <a:t>It’s somewhat similar to AWS</a:t>
+            </a:r>
+            <a:r>
+              <a:rPr lang="mr-IN" dirty="0" smtClean="0"/>
+              <a:t>…</a:t>
+            </a:r>
+            <a:endParaRPr lang="en-US" dirty="0" smtClean="0"/>
+          </a:p>
+          <a:p>
+            <a:endParaRPr lang="en-US" dirty="0"/>
+          </a:p>
+          <a:p>
+            <a:r>
+              <a:rPr lang="mr-IN" dirty="0" smtClean="0"/>
+              <a:t>…</a:t>
+            </a:r>
+            <a:r>
+              <a:rPr lang="en-US" dirty="0" smtClean="0"/>
+              <a:t>but you can apply for free allocations of compute time!</a:t>
+            </a:r>
+          </a:p>
+          <a:p>
+            <a:endParaRPr lang="en-US" dirty="0"/>
+          </a:p>
           <a:p>
             <a:pPr marL="0" indent="0" algn="ctr">
               <a:buNone/>
             </a:pPr>
-            <a:endParaRPr lang="en-US" dirty="0" smtClean="0"/>
-          </a:p>
-          <a:p>
-            <a:pPr marL="0" indent="0" algn="ctr">
-              <a:buNone/>
-            </a:pPr>
             <a:r>
               <a:rPr lang="en-US" dirty="0" smtClean="0"/>
-              <a:t>Yellow sticky: done!</a:t>
-            </a:r>
-          </a:p>
-          <a:p>
-            <a:pPr marL="0" indent="0" algn="ctr">
-              <a:buNone/>
-            </a:pPr>
-            <a:r>
-              <a:rPr lang="en-US" dirty="0" smtClean="0"/>
-              <a:t>Red sticky: need help!</a:t>
-            </a:r>
-          </a:p>
-          <a:p>
-            <a:pPr marL="0" indent="0" algn="ctr">
-              <a:buNone/>
-            </a:pPr>
-            <a:r>
-              <a:rPr lang="en-US" dirty="0" smtClean="0"/>
-              <a:t>No sticky: work in progress</a:t>
-            </a:r>
-            <a:r>
-              <a:rPr lang="is-IS" dirty="0" smtClean="0"/>
-              <a:t>…</a:t>
+              <a:t>We are happy to help you sign up for XSEDE and get some ”free” trial time for your use after this workshop. Also, we can help you write XSEDE allocation requests.</a:t>
             </a:r>
             <a:endParaRPr lang="en-US" dirty="0"/>
           </a:p>
@@ -3447,20 +3488,13 @@
     </p:spTree>
     <p:extLst>
       <p:ext uri="{BB962C8B-B14F-4D97-AF65-F5344CB8AC3E}">
-        <p14:creationId xmlns:p14="http://schemas.microsoft.com/office/powerpoint/2010/main" val="1542393483"/>
+        <p14:creationId xmlns:p14="http://schemas.microsoft.com/office/powerpoint/2010/main" val="1285188879"/>
       </p:ext>
     </p:extLst>
   </p:cSld>
   <p:clrMapOvr>
     <a:masterClrMapping/>
   </p:clrMapOvr>
-  <p:timing>
-    <p:tnLst>
-      <p:par>
-        <p:cTn id="1" dur="indefinite" restart="never" nodeType="tmRoot"/>
-      </p:par>
-    </p:tnLst>
-  </p:timing>
 </p:sld>
 </file>
 
